--- a/Quaternion Calculator - Final.pptx
+++ b/Quaternion Calculator - Final.pptx
@@ -4383,12 +4383,6 @@
               </a:rPr>
               <a:t>Scalar-part</a:t>
             </a:r>
-            <a:endParaRPr lang="en-US" sz="3200" dirty="0" smtClean="0">
-              <a:solidFill>
-                <a:srgbClr val="000000"/>
-              </a:solidFill>
-              <a:latin typeface="Calibri"/>
-            </a:endParaRPr>
           </a:p>
           <a:p>
             <a:pPr>
@@ -5419,11 +5413,7 @@
             </a:pPr>
             <a:r>
               <a:rPr lang="en-US" sz="2400" dirty="0" smtClean="0"/>
-              <a:t>Estimated market </a:t>
-            </a:r>
-            <a:r>
-              <a:rPr lang="en-US" sz="2400" dirty="0" smtClean="0"/>
-              <a:t>value</a:t>
+              <a:t>Estimated market value</a:t>
             </a:r>
             <a:r>
               <a:rPr lang="en-US" sz="2400" dirty="0"/>
@@ -5500,7 +5490,7 @@
         </p:nvSpPr>
         <p:spPr>
           <a:xfrm>
-            <a:off x="3886020" y="4495800"/>
+            <a:off x="4182374" y="7010400"/>
             <a:ext cx="1371600" cy="476446"/>
           </a:xfrm>
           <a:prstGeom prst="rect">
@@ -5515,7 +5505,6 @@
               <a:rPr lang="en-US" sz="2400" dirty="0" smtClean="0"/>
               <a:t>$20 000</a:t>
             </a:r>
-            <a:endParaRPr lang="en-US" sz="2400" dirty="0" smtClean="0"/>
           </a:p>
         </p:txBody>
       </p:sp>
@@ -5534,8 +5523,8 @@
       <p:par>
         <p:cTn id="1" dur="indefinite" restart="never" nodeType="tmRoot">
           <p:childTnLst>
-            <p:seq>
-              <p:cTn id="2" nodeType="mainSeq">
+            <p:seq concurrent="1" nextAc="seek">
+              <p:cTn id="2" dur="indefinite" nodeType="mainSeq">
                 <p:childTnLst>
                   <p:par>
                     <p:cTn id="3" fill="hold">
@@ -5550,92 +5539,25 @@
                             </p:stCondLst>
                             <p:childTnLst>
                               <p:par>
-                                <p:cTn id="5" presetID="2" presetClass="entr" presetSubtype="4" fill="hold" grpId="0" nodeType="clickEffect">
+                                <p:cTn id="5" presetID="42" presetClass="path" presetSubtype="0" accel="50000" decel="50000" fill="hold" grpId="0" nodeType="clickEffect">
                                   <p:stCondLst>
                                     <p:cond delay="0"/>
                                   </p:stCondLst>
                                   <p:childTnLst>
-                                    <p:set>
+                                    <p:animMotion origin="layout" path="M -0.03247 0.02084 L -0.03247 -0.35694 " pathEditMode="relative" rAng="0" ptsTypes="AA">
                                       <p:cBhvr>
-                                        <p:cTn id="6" dur="1" fill="hold">
-                                          <p:stCondLst>
-                                            <p:cond delay="0"/>
-                                          </p:stCondLst>
-                                        </p:cTn>
-                                        <p:tgtEl>
-                                          <p:spTgt spid="7"/>
-                                        </p:tgtEl>
-                                        <p:attrNameLst>
-                                          <p:attrName>style.visibility</p:attrName>
-                                        </p:attrNameLst>
-                                      </p:cBhvr>
-                                      <p:to>
-                                        <p:strVal val="visible"/>
-                                      </p:to>
-                                    </p:set>
-                                    <p:anim calcmode="lin" valueType="num">
-                                      <p:cBhvr additive="base">
-                                        <p:cTn id="7" dur="500" fill="hold"/>
+                                        <p:cTn id="6" dur="2000" fill="hold"/>
                                         <p:tgtEl>
                                           <p:spTgt spid="7"/>
                                         </p:tgtEl>
                                         <p:attrNameLst>
                                           <p:attrName>ppt_x</p:attrName>
-                                        </p:attrNameLst>
-                                      </p:cBhvr>
-                                      <p:tavLst>
-                                        <p:tav tm="0">
-                                          <p:val>
-                                            <p:strVal val="#ppt_x"/>
-                                          </p:val>
-                                        </p:tav>
-                                        <p:tav tm="100000">
-                                          <p:val>
-                                            <p:strVal val="#ppt_x"/>
-                                          </p:val>
-                                        </p:tav>
-                                      </p:tavLst>
-                                    </p:anim>
-                                    <p:anim calcmode="lin" valueType="num">
-                                      <p:cBhvr additive="base">
-                                        <p:cTn id="8" dur="500" fill="hold"/>
-                                        <p:tgtEl>
-                                          <p:spTgt spid="7"/>
-                                        </p:tgtEl>
-                                        <p:attrNameLst>
                                           <p:attrName>ppt_y</p:attrName>
                                         </p:attrNameLst>
                                       </p:cBhvr>
-                                      <p:tavLst>
-                                        <p:tav tm="0">
-                                          <p:val>
-                                            <p:strVal val="1+#ppt_h/2"/>
-                                          </p:val>
-                                        </p:tav>
-                                        <p:tav tm="100000">
-                                          <p:val>
-                                            <p:strVal val="#ppt_y"/>
-                                          </p:val>
-                                        </p:tav>
-                                      </p:tavLst>
-                                    </p:anim>
+                                      <p:rCtr x="0" y="-18889"/>
+                                    </p:animMotion>
                                   </p:childTnLst>
-                                  <p:subTnLst>
-                                    <p:animClr clrSpc="rgb" dir="cw">
-                                      <p:cBhvr override="childStyle">
-                                        <p:cTn dur="1" fill="hold" display="0" masterRel="nextClick" afterEffect="1"/>
-                                        <p:tgtEl>
-                                          <p:spTgt spid="7"/>
-                                        </p:tgtEl>
-                                        <p:attrNameLst>
-                                          <p:attrName>ppt_c</p:attrName>
-                                        </p:attrNameLst>
-                                      </p:cBhvr>
-                                      <p:to>
-                                        <a:schemeClr val="tx1"/>
-                                      </p:to>
-                                    </p:animClr>
-                                  </p:subTnLst>
                                 </p:cTn>
                               </p:par>
                             </p:childTnLst>
